--- a/FAB Predictive model to classify profitable borrowers.pptx
+++ b/FAB Predictive model to classify profitable borrowers.pptx
@@ -13976,7 +13976,7 @@
               <a:rPr lang="en-IN" sz="1600">
                 <a:latin typeface="Georgia Pro" panose="02040502050405020303" pitchFamily="18" charset="0"/>
               </a:rPr>
-              <a:t>the sourced data</a:t>
+              <a:t>the sourced data  </a:t>
             </a:r>
             <a:endParaRPr lang="en-IN" sz="1600" dirty="0">
               <a:latin typeface="Georgia Pro" panose="02040502050405020303" pitchFamily="18" charset="0"/>
